--- a/Pitch/Logo.pptx
+++ b/Pitch/Logo.pptx
@@ -6,6 +6,9 @@
   </p:sldMasterIdLst>
   <p:sldIdLst>
     <p:sldId id="256" r:id="rId2"/>
+    <p:sldId id="257" r:id="rId3"/>
+    <p:sldId id="258" r:id="rId4"/>
+    <p:sldId id="259" r:id="rId5"/>
   </p:sldIdLst>
   <p:sldSz cx="12192000" cy="6858000"/>
   <p:notesSz cx="6858000" cy="9144000"/>
@@ -104,6 +107,11 @@
       </a:defRPr>
     </a:lvl9pPr>
   </p:defaultTextStyle>
+  <p:extLst>
+    <p:ext uri="{EFAFB233-063F-42B5-8137-9DF3F51BA10A}">
+      <p15:sldGuideLst xmlns:p15="http://schemas.microsoft.com/office/powerpoint/2012/main"/>
+    </p:ext>
+  </p:extLst>
 </p:presentation>
 </file>
 
@@ -3351,7 +3359,7 @@
           <a:p>
             <a:pPr algn="ctr"/>
             <a:r>
-              <a:rPr lang="pt-PT" sz="9600" dirty="0" err="1">
+              <a:rPr lang="pt-PT" sz="9600" dirty="0">
                 <a:solidFill>
                   <a:srgbClr val="276955"/>
                 </a:solidFill>
@@ -3359,12 +3367,6 @@
               </a:rPr>
               <a:t>EcoCredits</a:t>
             </a:r>
-            <a:endParaRPr lang="pt-PT" sz="9600" dirty="0">
-              <a:solidFill>
-                <a:srgbClr val="276955"/>
-              </a:solidFill>
-              <a:latin typeface="Brush Script MT" panose="03060802040406070304" pitchFamily="66" charset="0"/>
-            </a:endParaRPr>
           </a:p>
           <a:p>
             <a:pPr algn="ctr"/>
@@ -3410,6 +3412,732 @@
     <p:extLst>
       <p:ext uri="{BB962C8B-B14F-4D97-AF65-F5344CB8AC3E}">
         <p14:creationId xmlns:p14="http://schemas.microsoft.com/office/powerpoint/2010/main" val="2733491921"/>
+      </p:ext>
+    </p:extLst>
+  </p:cSld>
+  <p:clrMapOvr>
+    <a:masterClrMapping/>
+  </p:clrMapOvr>
+</p:sld>
+</file>
+
+<file path=ppt/slides/slide2.xml><?xml version="1.0" encoding="utf-8"?>
+<p:sld xmlns:a="http://schemas.openxmlformats.org/drawingml/2006/main" xmlns:r="http://schemas.openxmlformats.org/officeDocument/2006/relationships" xmlns:p="http://schemas.openxmlformats.org/presentationml/2006/main">
+  <p:cSld>
+    <p:spTree>
+      <p:nvGrpSpPr>
+        <p:cNvPr id="1" name=""/>
+        <p:cNvGrpSpPr/>
+        <p:nvPr/>
+      </p:nvGrpSpPr>
+      <p:grpSpPr>
+        <a:xfrm>
+          <a:off x="0" y="0"/>
+          <a:ext cx="0" cy="0"/>
+          <a:chOff x="0" y="0"/>
+          <a:chExt cx="0" cy="0"/>
+        </a:xfrm>
+      </p:grpSpPr>
+      <p:sp>
+        <p:nvSpPr>
+          <p:cNvPr id="4" name="CaixaDeTexto 3">
+            <a:extLst>
+              <a:ext uri="{FF2B5EF4-FFF2-40B4-BE49-F238E27FC236}">
+                <a16:creationId xmlns:a16="http://schemas.microsoft.com/office/drawing/2014/main" id="{D92B2341-6307-3532-91C9-997B777DA2F2}"/>
+              </a:ext>
+            </a:extLst>
+          </p:cNvPr>
+          <p:cNvSpPr txBox="1"/>
+          <p:nvPr/>
+        </p:nvSpPr>
+        <p:spPr>
+          <a:xfrm>
+            <a:off x="3032514" y="151559"/>
+            <a:ext cx="3755922" cy="369332"/>
+          </a:xfrm>
+          <a:prstGeom prst="rect">
+            <a:avLst/>
+          </a:prstGeom>
+          <a:noFill/>
+        </p:spPr>
+        <p:txBody>
+          <a:bodyPr wrap="square" rtlCol="0">
+            <a:spAutoFit/>
+          </a:bodyPr>
+          <a:lstStyle/>
+          <a:p>
+            <a:pPr algn="ctr"/>
+            <a:r>
+              <a:rPr lang="pt-PT" dirty="0"/>
+              <a:t>Selecione o tipo de embalagem:</a:t>
+            </a:r>
+          </a:p>
+        </p:txBody>
+      </p:sp>
+      <p:pic>
+        <p:nvPicPr>
+          <p:cNvPr id="6" name="Imagem 5" descr="Uma imagem com texto, captura de ecrã&#10;&#10;Descrição gerada automaticamente">
+            <a:extLst>
+              <a:ext uri="{FF2B5EF4-FFF2-40B4-BE49-F238E27FC236}">
+                <a16:creationId xmlns:a16="http://schemas.microsoft.com/office/drawing/2014/main" id="{08628B77-73C0-2385-5762-0CEE955C25FA}"/>
+              </a:ext>
+            </a:extLst>
+          </p:cNvPr>
+          <p:cNvPicPr>
+            <a:picLocks noChangeAspect="1"/>
+          </p:cNvPicPr>
+          <p:nvPr/>
+        </p:nvPicPr>
+        <p:blipFill>
+          <a:blip r:embed="rId2">
+            <a:extLst>
+              <a:ext uri="{28A0092B-C50C-407E-A947-70E740481C1C}">
+                <a14:useLocalDpi xmlns:a14="http://schemas.microsoft.com/office/drawing/2010/main" val="0"/>
+              </a:ext>
+            </a:extLst>
+          </a:blip>
+          <a:stretch>
+            <a:fillRect/>
+          </a:stretch>
+        </p:blipFill>
+        <p:spPr>
+          <a:xfrm>
+            <a:off x="3293807" y="590758"/>
+            <a:ext cx="3444118" cy="933998"/>
+          </a:xfrm>
+          <a:prstGeom prst="rect">
+            <a:avLst/>
+          </a:prstGeom>
+        </p:spPr>
+      </p:pic>
+      <p:sp>
+        <p:nvSpPr>
+          <p:cNvPr id="7" name="CaixaDeTexto 6">
+            <a:extLst>
+              <a:ext uri="{FF2B5EF4-FFF2-40B4-BE49-F238E27FC236}">
+                <a16:creationId xmlns:a16="http://schemas.microsoft.com/office/drawing/2014/main" id="{DA7E35F8-318C-08D5-AD3D-A5958A0061BB}"/>
+              </a:ext>
+            </a:extLst>
+          </p:cNvPr>
+          <p:cNvSpPr txBox="1"/>
+          <p:nvPr/>
+        </p:nvSpPr>
+        <p:spPr>
+          <a:xfrm>
+            <a:off x="3187737" y="1688521"/>
+            <a:ext cx="3772454" cy="923330"/>
+          </a:xfrm>
+          <a:prstGeom prst="rect">
+            <a:avLst/>
+          </a:prstGeom>
+          <a:noFill/>
+        </p:spPr>
+        <p:txBody>
+          <a:bodyPr wrap="square" rtlCol="0">
+            <a:spAutoFit/>
+          </a:bodyPr>
+          <a:lstStyle/>
+          <a:p>
+            <a:pPr algn="ctr"/>
+            <a:r>
+              <a:rPr lang="pt-PT" dirty="0"/>
+              <a:t>Passe o Símbolo do rotulo da embalagem pela camara assinalada ao pé da porta de entrada</a:t>
+            </a:r>
+          </a:p>
+        </p:txBody>
+      </p:sp>
+      <p:pic>
+        <p:nvPicPr>
+          <p:cNvPr id="10" name="Imagem 9" descr="Uma imagem com texto, Garrafa de vidro, beber, bebida&#10;&#10;Descrição gerada automaticamente">
+            <a:extLst>
+              <a:ext uri="{FF2B5EF4-FFF2-40B4-BE49-F238E27FC236}">
+                <a16:creationId xmlns:a16="http://schemas.microsoft.com/office/drawing/2014/main" id="{11A3A146-62FC-0BED-8233-F58FB2A873B3}"/>
+              </a:ext>
+            </a:extLst>
+          </p:cNvPr>
+          <p:cNvPicPr>
+            <a:picLocks noChangeAspect="1"/>
+          </p:cNvPicPr>
+          <p:nvPr/>
+        </p:nvPicPr>
+        <p:blipFill rotWithShape="1">
+          <a:blip r:embed="rId3">
+            <a:extLst>
+              <a:ext uri="{28A0092B-C50C-407E-A947-70E740481C1C}">
+                <a14:useLocalDpi xmlns:a14="http://schemas.microsoft.com/office/drawing/2010/main" val="0"/>
+              </a:ext>
+            </a:extLst>
+          </a:blip>
+          <a:srcRect l="15711" r="37077" b="30125"/>
+          <a:stretch/>
+        </p:blipFill>
+        <p:spPr>
+          <a:xfrm>
+            <a:off x="4390591" y="2692386"/>
+            <a:ext cx="1229032" cy="2425355"/>
+          </a:xfrm>
+          <a:prstGeom prst="rect">
+            <a:avLst/>
+          </a:prstGeom>
+        </p:spPr>
+      </p:pic>
+      <p:cxnSp>
+        <p:nvCxnSpPr>
+          <p:cNvPr id="12" name="Conexão reta unidirecional 11">
+            <a:extLst>
+              <a:ext uri="{FF2B5EF4-FFF2-40B4-BE49-F238E27FC236}">
+                <a16:creationId xmlns:a16="http://schemas.microsoft.com/office/drawing/2014/main" id="{08A6C235-7405-53DE-C915-0C8829F424F2}"/>
+              </a:ext>
+            </a:extLst>
+          </p:cNvPr>
+          <p:cNvCxnSpPr/>
+          <p:nvPr/>
+        </p:nvCxnSpPr>
+        <p:spPr>
+          <a:xfrm flipH="1">
+            <a:off x="6605002" y="453673"/>
+            <a:ext cx="366867" cy="376083"/>
+          </a:xfrm>
+          <a:prstGeom prst="straightConnector1">
+            <a:avLst/>
+          </a:prstGeom>
+          <a:ln w="76200">
+            <a:tailEnd type="triangle"/>
+          </a:ln>
+        </p:spPr>
+        <p:style>
+          <a:lnRef idx="2">
+            <a:schemeClr val="dk1"/>
+          </a:lnRef>
+          <a:fillRef idx="0">
+            <a:schemeClr val="dk1"/>
+          </a:fillRef>
+          <a:effectRef idx="1">
+            <a:schemeClr val="dk1"/>
+          </a:effectRef>
+          <a:fontRef idx="minor">
+            <a:schemeClr val="tx1"/>
+          </a:fontRef>
+        </p:style>
+      </p:cxnSp>
+      <p:sp>
+        <p:nvSpPr>
+          <p:cNvPr id="13" name="CaixaDeTexto 12">
+            <a:extLst>
+              <a:ext uri="{FF2B5EF4-FFF2-40B4-BE49-F238E27FC236}">
+                <a16:creationId xmlns:a16="http://schemas.microsoft.com/office/drawing/2014/main" id="{D0C0FBCC-D8B6-5312-F4FE-73DFA768E4B6}"/>
+              </a:ext>
+            </a:extLst>
+          </p:cNvPr>
+          <p:cNvSpPr txBox="1"/>
+          <p:nvPr/>
+        </p:nvSpPr>
+        <p:spPr>
+          <a:xfrm>
+            <a:off x="4237393" y="5373799"/>
+            <a:ext cx="2035277" cy="861774"/>
+          </a:xfrm>
+          <a:prstGeom prst="rect">
+            <a:avLst/>
+          </a:prstGeom>
+          <a:noFill/>
+        </p:spPr>
+        <p:txBody>
+          <a:bodyPr wrap="square" rtlCol="0">
+            <a:spAutoFit/>
+          </a:bodyPr>
+          <a:lstStyle/>
+          <a:p>
+            <a:r>
+              <a:rPr lang="pt-PT" dirty="0"/>
+              <a:t>Correspondência:</a:t>
+            </a:r>
+          </a:p>
+          <a:p>
+            <a:pPr algn="ctr"/>
+            <a:r>
+              <a:rPr lang="pt-PT" sz="3200" dirty="0">
+                <a:solidFill>
+                  <a:schemeClr val="accent6">
+                    <a:lumMod val="75000"/>
+                  </a:schemeClr>
+                </a:solidFill>
+              </a:rPr>
+              <a:t>Válida</a:t>
+            </a:r>
+            <a:endParaRPr lang="pt-PT" dirty="0">
+              <a:solidFill>
+                <a:schemeClr val="accent6">
+                  <a:lumMod val="75000"/>
+                </a:schemeClr>
+              </a:solidFill>
+            </a:endParaRPr>
+          </a:p>
+        </p:txBody>
+      </p:sp>
+      <p:sp>
+        <p:nvSpPr>
+          <p:cNvPr id="14" name="CaixaDeTexto 13">
+            <a:extLst>
+              <a:ext uri="{FF2B5EF4-FFF2-40B4-BE49-F238E27FC236}">
+                <a16:creationId xmlns:a16="http://schemas.microsoft.com/office/drawing/2014/main" id="{3BAC7683-20BF-7F0C-D32D-16F335315C86}"/>
+              </a:ext>
+            </a:extLst>
+          </p:cNvPr>
+          <p:cNvSpPr txBox="1"/>
+          <p:nvPr/>
+        </p:nvSpPr>
+        <p:spPr>
+          <a:xfrm>
+            <a:off x="5524498" y="3048456"/>
+            <a:ext cx="943898" cy="600164"/>
+          </a:xfrm>
+          <a:prstGeom prst="rect">
+            <a:avLst/>
+          </a:prstGeom>
+          <a:noFill/>
+        </p:spPr>
+        <p:txBody>
+          <a:bodyPr wrap="square" rtlCol="0">
+            <a:spAutoFit/>
+          </a:bodyPr>
+          <a:lstStyle/>
+          <a:p>
+            <a:pPr algn="ctr"/>
+            <a:r>
+              <a:rPr lang="pt-PT" sz="1100" dirty="0"/>
+              <a:t>Imagem obtida da camara</a:t>
+            </a:r>
+          </a:p>
+        </p:txBody>
+      </p:sp>
+      <p:sp>
+        <p:nvSpPr>
+          <p:cNvPr id="15" name="Retângulo 14">
+            <a:extLst>
+              <a:ext uri="{FF2B5EF4-FFF2-40B4-BE49-F238E27FC236}">
+                <a16:creationId xmlns:a16="http://schemas.microsoft.com/office/drawing/2014/main" id="{BFB7A600-9F14-A079-8A62-7472B824BCCC}"/>
+              </a:ext>
+            </a:extLst>
+          </p:cNvPr>
+          <p:cNvSpPr/>
+          <p:nvPr/>
+        </p:nvSpPr>
+        <p:spPr>
+          <a:xfrm>
+            <a:off x="4847362" y="4143761"/>
+            <a:ext cx="407670" cy="209550"/>
+          </a:xfrm>
+          <a:prstGeom prst="rect">
+            <a:avLst/>
+          </a:prstGeom>
+          <a:noFill/>
+          <a:ln>
+            <a:solidFill>
+              <a:schemeClr val="accent6">
+                <a:lumMod val="75000"/>
+              </a:schemeClr>
+            </a:solidFill>
+          </a:ln>
+        </p:spPr>
+        <p:style>
+          <a:lnRef idx="2">
+            <a:schemeClr val="accent1">
+              <a:shade val="15000"/>
+            </a:schemeClr>
+          </a:lnRef>
+          <a:fillRef idx="1">
+            <a:schemeClr val="accent1"/>
+          </a:fillRef>
+          <a:effectRef idx="0">
+            <a:schemeClr val="accent1"/>
+          </a:effectRef>
+          <a:fontRef idx="minor">
+            <a:schemeClr val="lt1"/>
+          </a:fontRef>
+        </p:style>
+        <p:txBody>
+          <a:bodyPr rtlCol="0" anchor="ctr"/>
+          <a:lstStyle/>
+          <a:p>
+            <a:pPr algn="ctr"/>
+            <a:endParaRPr lang="pt-PT"/>
+          </a:p>
+        </p:txBody>
+      </p:sp>
+    </p:spTree>
+    <p:extLst>
+      <p:ext uri="{BB962C8B-B14F-4D97-AF65-F5344CB8AC3E}">
+        <p14:creationId xmlns:p14="http://schemas.microsoft.com/office/powerpoint/2010/main" val="3164230446"/>
+      </p:ext>
+    </p:extLst>
+  </p:cSld>
+  <p:clrMapOvr>
+    <a:masterClrMapping/>
+  </p:clrMapOvr>
+</p:sld>
+</file>
+
+<file path=ppt/slides/slide3.xml><?xml version="1.0" encoding="utf-8"?>
+<p:sld xmlns:a="http://schemas.openxmlformats.org/drawingml/2006/main" xmlns:r="http://schemas.openxmlformats.org/officeDocument/2006/relationships" xmlns:p="http://schemas.openxmlformats.org/presentationml/2006/main">
+  <p:cSld>
+    <p:spTree>
+      <p:nvGrpSpPr>
+        <p:cNvPr id="1" name=""/>
+        <p:cNvGrpSpPr/>
+        <p:nvPr/>
+      </p:nvGrpSpPr>
+      <p:grpSpPr>
+        <a:xfrm>
+          <a:off x="0" y="0"/>
+          <a:ext cx="0" cy="0"/>
+          <a:chOff x="0" y="0"/>
+          <a:chExt cx="0" cy="0"/>
+        </a:xfrm>
+      </p:grpSpPr>
+      <p:sp>
+        <p:nvSpPr>
+          <p:cNvPr id="4" name="CaixaDeTexto 3">
+            <a:extLst>
+              <a:ext uri="{FF2B5EF4-FFF2-40B4-BE49-F238E27FC236}">
+                <a16:creationId xmlns:a16="http://schemas.microsoft.com/office/drawing/2014/main" id="{D92B2341-6307-3532-91C9-997B777DA2F2}"/>
+              </a:ext>
+            </a:extLst>
+          </p:cNvPr>
+          <p:cNvSpPr txBox="1"/>
+          <p:nvPr/>
+        </p:nvSpPr>
+        <p:spPr>
+          <a:xfrm>
+            <a:off x="2969401" y="1021151"/>
+            <a:ext cx="3755922" cy="646331"/>
+          </a:xfrm>
+          <a:prstGeom prst="rect">
+            <a:avLst/>
+          </a:prstGeom>
+          <a:noFill/>
+        </p:spPr>
+        <p:txBody>
+          <a:bodyPr wrap="square" rtlCol="0">
+            <a:spAutoFit/>
+          </a:bodyPr>
+          <a:lstStyle/>
+          <a:p>
+            <a:pPr algn="ctr"/>
+            <a:r>
+              <a:rPr lang="pt-PT" dirty="0"/>
+              <a:t>Operação realizada com </a:t>
+            </a:r>
+          </a:p>
+          <a:p>
+            <a:pPr algn="ctr"/>
+            <a:r>
+              <a:rPr lang="pt-PT" dirty="0"/>
+              <a:t>Sucesso</a:t>
+            </a:r>
+          </a:p>
+        </p:txBody>
+      </p:sp>
+      <p:sp>
+        <p:nvSpPr>
+          <p:cNvPr id="7" name="CaixaDeTexto 6">
+            <a:extLst>
+              <a:ext uri="{FF2B5EF4-FFF2-40B4-BE49-F238E27FC236}">
+                <a16:creationId xmlns:a16="http://schemas.microsoft.com/office/drawing/2014/main" id="{DA7E35F8-318C-08D5-AD3D-A5958A0061BB}"/>
+              </a:ext>
+            </a:extLst>
+          </p:cNvPr>
+          <p:cNvSpPr txBox="1"/>
+          <p:nvPr/>
+        </p:nvSpPr>
+        <p:spPr>
+          <a:xfrm>
+            <a:off x="3583408" y="2131004"/>
+            <a:ext cx="2527907" cy="646331"/>
+          </a:xfrm>
+          <a:prstGeom prst="rect">
+            <a:avLst/>
+          </a:prstGeom>
+          <a:noFill/>
+        </p:spPr>
+        <p:txBody>
+          <a:bodyPr wrap="square" rtlCol="0">
+            <a:spAutoFit/>
+          </a:bodyPr>
+          <a:lstStyle/>
+          <a:p>
+            <a:pPr algn="ctr"/>
+            <a:r>
+              <a:rPr lang="pt-PT" dirty="0"/>
+              <a:t>Passe o cartão ou QR para obter os pontos</a:t>
+            </a:r>
+          </a:p>
+        </p:txBody>
+      </p:sp>
+      <p:sp>
+        <p:nvSpPr>
+          <p:cNvPr id="2" name="CaixaDeTexto 1">
+            <a:extLst>
+              <a:ext uri="{FF2B5EF4-FFF2-40B4-BE49-F238E27FC236}">
+                <a16:creationId xmlns:a16="http://schemas.microsoft.com/office/drawing/2014/main" id="{C00DFC65-61EE-8092-A998-4EAB67B2D194}"/>
+              </a:ext>
+            </a:extLst>
+          </p:cNvPr>
+          <p:cNvSpPr txBox="1"/>
+          <p:nvPr/>
+        </p:nvSpPr>
+        <p:spPr>
+          <a:xfrm>
+            <a:off x="3666982" y="3105834"/>
+            <a:ext cx="2527907" cy="861774"/>
+          </a:xfrm>
+          <a:prstGeom prst="rect">
+            <a:avLst/>
+          </a:prstGeom>
+          <a:noFill/>
+        </p:spPr>
+        <p:txBody>
+          <a:bodyPr wrap="square" rtlCol="0">
+            <a:spAutoFit/>
+          </a:bodyPr>
+          <a:lstStyle/>
+          <a:p>
+            <a:pPr algn="ctr"/>
+            <a:r>
+              <a:rPr lang="pt-PT" dirty="0"/>
+              <a:t>Cartão/QR:</a:t>
+            </a:r>
+          </a:p>
+          <a:p>
+            <a:pPr algn="ctr"/>
+            <a:r>
+              <a:rPr lang="pt-PT" sz="3200" dirty="0">
+                <a:solidFill>
+                  <a:schemeClr val="accent6">
+                    <a:lumMod val="75000"/>
+                  </a:schemeClr>
+                </a:solidFill>
+              </a:rPr>
+              <a:t>Válido</a:t>
+            </a:r>
+            <a:endParaRPr lang="pt-PT" dirty="0">
+              <a:solidFill>
+                <a:schemeClr val="accent6">
+                  <a:lumMod val="75000"/>
+                </a:schemeClr>
+              </a:solidFill>
+            </a:endParaRPr>
+          </a:p>
+        </p:txBody>
+      </p:sp>
+      <p:sp>
+        <p:nvSpPr>
+          <p:cNvPr id="3" name="CaixaDeTexto 2">
+            <a:extLst>
+              <a:ext uri="{FF2B5EF4-FFF2-40B4-BE49-F238E27FC236}">
+                <a16:creationId xmlns:a16="http://schemas.microsoft.com/office/drawing/2014/main" id="{1888B00D-0934-0DDD-1310-54A06483B41D}"/>
+              </a:ext>
+            </a:extLst>
+          </p:cNvPr>
+          <p:cNvSpPr txBox="1"/>
+          <p:nvPr/>
+        </p:nvSpPr>
+        <p:spPr>
+          <a:xfrm>
+            <a:off x="3666982" y="4215687"/>
+            <a:ext cx="2527907" cy="369332"/>
+          </a:xfrm>
+          <a:prstGeom prst="rect">
+            <a:avLst/>
+          </a:prstGeom>
+          <a:noFill/>
+        </p:spPr>
+        <p:txBody>
+          <a:bodyPr wrap="square" rtlCol="0">
+            <a:spAutoFit/>
+          </a:bodyPr>
+          <a:lstStyle/>
+          <a:p>
+            <a:pPr algn="ctr"/>
+            <a:r>
+              <a:rPr lang="pt-PT" dirty="0"/>
+              <a:t>Continuar na aplicação</a:t>
+            </a:r>
+          </a:p>
+        </p:txBody>
+      </p:sp>
+      <p:sp>
+        <p:nvSpPr>
+          <p:cNvPr id="5" name="CaixaDeTexto 4">
+            <a:extLst>
+              <a:ext uri="{FF2B5EF4-FFF2-40B4-BE49-F238E27FC236}">
+                <a16:creationId xmlns:a16="http://schemas.microsoft.com/office/drawing/2014/main" id="{254C0B14-F406-5BA5-D591-B623C16F18DC}"/>
+              </a:ext>
+            </a:extLst>
+          </p:cNvPr>
+          <p:cNvSpPr txBox="1"/>
+          <p:nvPr/>
+        </p:nvSpPr>
+        <p:spPr>
+          <a:xfrm>
+            <a:off x="3666982" y="4918693"/>
+            <a:ext cx="2527907" cy="646331"/>
+          </a:xfrm>
+          <a:prstGeom prst="rect">
+            <a:avLst/>
+          </a:prstGeom>
+          <a:noFill/>
+        </p:spPr>
+        <p:txBody>
+          <a:bodyPr wrap="square" rtlCol="0">
+            <a:spAutoFit/>
+          </a:bodyPr>
+          <a:lstStyle/>
+          <a:p>
+            <a:pPr algn="ctr"/>
+            <a:r>
+              <a:rPr lang="pt-PT" dirty="0"/>
+              <a:t>Obrigada e Volte Sempre</a:t>
+            </a:r>
+          </a:p>
+        </p:txBody>
+      </p:sp>
+    </p:spTree>
+    <p:extLst>
+      <p:ext uri="{BB962C8B-B14F-4D97-AF65-F5344CB8AC3E}">
+        <p14:creationId xmlns:p14="http://schemas.microsoft.com/office/powerpoint/2010/main" val="2748644717"/>
+      </p:ext>
+    </p:extLst>
+  </p:cSld>
+  <p:clrMapOvr>
+    <a:masterClrMapping/>
+  </p:clrMapOvr>
+</p:sld>
+</file>
+
+<file path=ppt/slides/slide4.xml><?xml version="1.0" encoding="utf-8"?>
+<p:sld xmlns:a="http://schemas.openxmlformats.org/drawingml/2006/main" xmlns:r="http://schemas.openxmlformats.org/officeDocument/2006/relationships" xmlns:p="http://schemas.openxmlformats.org/presentationml/2006/main">
+  <p:cSld>
+    <p:spTree>
+      <p:nvGrpSpPr>
+        <p:cNvPr id="1" name=""/>
+        <p:cNvGrpSpPr/>
+        <p:nvPr/>
+      </p:nvGrpSpPr>
+      <p:grpSpPr>
+        <a:xfrm>
+          <a:off x="0" y="0"/>
+          <a:ext cx="0" cy="0"/>
+          <a:chOff x="0" y="0"/>
+          <a:chExt cx="0" cy="0"/>
+        </a:xfrm>
+      </p:grpSpPr>
+      <p:sp>
+        <p:nvSpPr>
+          <p:cNvPr id="6" name="Oval 5">
+            <a:extLst>
+              <a:ext uri="{FF2B5EF4-FFF2-40B4-BE49-F238E27FC236}">
+                <a16:creationId xmlns:a16="http://schemas.microsoft.com/office/drawing/2014/main" id="{29C8BEE2-E126-5711-8A44-8252324FC0F5}"/>
+              </a:ext>
+            </a:extLst>
+          </p:cNvPr>
+          <p:cNvSpPr/>
+          <p:nvPr/>
+        </p:nvSpPr>
+        <p:spPr>
+          <a:xfrm>
+            <a:off x="4811995" y="943897"/>
+            <a:ext cx="3932904" cy="3490451"/>
+          </a:xfrm>
+          <a:prstGeom prst="ellipse">
+            <a:avLst/>
+          </a:prstGeom>
+          <a:solidFill>
+            <a:schemeClr val="bg1"/>
+          </a:solidFill>
+        </p:spPr>
+        <p:style>
+          <a:lnRef idx="2">
+            <a:schemeClr val="accent1">
+              <a:shade val="15000"/>
+            </a:schemeClr>
+          </a:lnRef>
+          <a:fillRef idx="1">
+            <a:schemeClr val="accent1"/>
+          </a:fillRef>
+          <a:effectRef idx="0">
+            <a:schemeClr val="accent1"/>
+          </a:effectRef>
+          <a:fontRef idx="minor">
+            <a:schemeClr val="lt1"/>
+          </a:fontRef>
+        </p:style>
+        <p:txBody>
+          <a:bodyPr rtlCol="0" anchor="ctr"/>
+          <a:lstStyle/>
+          <a:p>
+            <a:pPr algn="ctr"/>
+            <a:endParaRPr lang="pt-PT"/>
+          </a:p>
+        </p:txBody>
+      </p:sp>
+      <p:sp>
+        <p:nvSpPr>
+          <p:cNvPr id="4" name="CaixaDeTexto 3">
+            <a:extLst>
+              <a:ext uri="{FF2B5EF4-FFF2-40B4-BE49-F238E27FC236}">
+                <a16:creationId xmlns:a16="http://schemas.microsoft.com/office/drawing/2014/main" id="{45B60327-47A0-81CA-0097-823194D88583}"/>
+              </a:ext>
+            </a:extLst>
+          </p:cNvPr>
+          <p:cNvSpPr txBox="1"/>
+          <p:nvPr/>
+        </p:nvSpPr>
+        <p:spPr>
+          <a:xfrm>
+            <a:off x="3558181" y="1605165"/>
+            <a:ext cx="6440533" cy="2308324"/>
+          </a:xfrm>
+          <a:prstGeom prst="rect">
+            <a:avLst/>
+          </a:prstGeom>
+          <a:noFill/>
+        </p:spPr>
+        <p:txBody>
+          <a:bodyPr wrap="square" rtlCol="0">
+            <a:spAutoFit/>
+          </a:bodyPr>
+          <a:lstStyle/>
+          <a:p>
+            <a:pPr algn="ctr"/>
+            <a:r>
+              <a:rPr lang="pt-PT" sz="9600" dirty="0">
+                <a:solidFill>
+                  <a:srgbClr val="276955"/>
+                </a:solidFill>
+                <a:latin typeface="Brush Script MT" panose="03060802040406070304" pitchFamily="66" charset="0"/>
+              </a:rPr>
+              <a:t>EcoCubo</a:t>
+            </a:r>
+          </a:p>
+          <a:p>
+            <a:pPr algn="ctr"/>
+            <a:r>
+              <a:rPr lang="pt-PT" sz="4800" dirty="0">
+                <a:latin typeface="Centaur" panose="02030504050205020304" pitchFamily="18" charset="0"/>
+              </a:rPr>
+              <a:t>Solum</a:t>
+            </a:r>
+            <a:endParaRPr lang="pt-PT" sz="3600" dirty="0">
+              <a:latin typeface="Centaur" panose="02030504050205020304" pitchFamily="18" charset="0"/>
+            </a:endParaRPr>
+          </a:p>
+        </p:txBody>
+      </p:sp>
+    </p:spTree>
+    <p:extLst>
+      <p:ext uri="{BB962C8B-B14F-4D97-AF65-F5344CB8AC3E}">
+        <p14:creationId xmlns:p14="http://schemas.microsoft.com/office/powerpoint/2010/main" val="1922946110"/>
       </p:ext>
     </p:extLst>
   </p:cSld>
